--- a/0-TXT/BANNER BIBLIETEC.pptx
+++ b/0-TXT/BANNER BIBLIETEC.pptx
@@ -3161,18 +3161,13 @@
           <a:p>
             <a:pPr algn="ctr"/>
             <a:r>
-              <a:rPr lang="pt-BR" sz="11500" b="1" dirty="0" smtClean="0">
+              <a:rPr lang="pt-BR" sz="11500" b="1" dirty="0">
                 <a:solidFill>
                   <a:srgbClr val="C00000"/>
                 </a:solidFill>
               </a:rPr>
               <a:t>TRABALHO DE TCC - BIBLIETEC</a:t>
             </a:r>
-            <a:endParaRPr lang="pt-BR" sz="11500" b="1" dirty="0">
-              <a:solidFill>
-                <a:srgbClr val="C00000"/>
-              </a:solidFill>
-            </a:endParaRPr>
           </a:p>
         </p:txBody>
       </p:sp>
@@ -3229,7 +3224,7 @@
         <p:spPr>
           <a:xfrm>
             <a:off x="431182" y="13053586"/>
-            <a:ext cx="17245258" cy="2908489"/>
+            <a:ext cx="17245258" cy="1969770"/>
           </a:xfrm>
           <a:prstGeom prst="rect">
             <a:avLst/>
@@ -3243,16 +3238,12 @@
           <a:lstStyle/>
           <a:p>
             <a:r>
-              <a:rPr lang="pt-BR" dirty="0" smtClean="0">
+              <a:rPr lang="pt-BR" dirty="0">
                 <a:latin typeface="Arial" panose="020B0604020202020204" pitchFamily="34" charset="0"/>
                 <a:cs typeface="Arial" panose="020B0604020202020204" pitchFamily="34" charset="0"/>
               </a:rPr>
-              <a:t>Facilitar o empréstimo de livros, colaborar para um melhor funcionamento da biblioteca e colaborar para uma sociedade com mais acesso.</a:t>
-            </a:r>
-            <a:endParaRPr lang="pt-BR" dirty="0">
-              <a:latin typeface="Arial" panose="020B0604020202020204" pitchFamily="34" charset="0"/>
-              <a:cs typeface="Arial" panose="020B0604020202020204" pitchFamily="34" charset="0"/>
-            </a:endParaRPr>
+              <a:t>Facilitar o empréstimo de livros e colaborar para um melhor funcionamento da biblioteca em geral.</a:t>
+            </a:r>
           </a:p>
         </p:txBody>
       </p:sp>
@@ -3327,14 +3318,7 @@
                 <a:latin typeface="Arial" panose="020B0604020202020204" pitchFamily="34" charset="0"/>
                 <a:cs typeface="Arial" panose="020B0604020202020204" pitchFamily="34" charset="0"/>
               </a:rPr>
-              <a:t>Giulio de Souza </a:t>
-            </a:r>
-            <a:r>
-              <a:rPr lang="pt-BR" dirty="0" smtClean="0">
-                <a:latin typeface="Arial" panose="020B0604020202020204" pitchFamily="34" charset="0"/>
-                <a:cs typeface="Arial" panose="020B0604020202020204" pitchFamily="34" charset="0"/>
-              </a:rPr>
-              <a:t>Teixeira</a:t>
+              <a:t>Giulio de Souza Teixeira</a:t>
             </a:r>
           </a:p>
           <a:p>
@@ -3343,33 +3327,26 @@
                 <a:latin typeface="Arial" panose="020B0604020202020204" pitchFamily="34" charset="0"/>
                 <a:cs typeface="Arial" panose="020B0604020202020204" pitchFamily="34" charset="0"/>
               </a:rPr>
-              <a:t>Guilherme José Castro </a:t>
-            </a:r>
-            <a:r>
-              <a:rPr lang="pt-BR" dirty="0" smtClean="0">
-                <a:latin typeface="Arial" panose="020B0604020202020204" pitchFamily="34" charset="0"/>
-                <a:cs typeface="Arial" panose="020B0604020202020204" pitchFamily="34" charset="0"/>
-              </a:rPr>
-              <a:t>Silva</a:t>
-            </a:r>
-          </a:p>
-          <a:p>
-            <a:r>
-              <a:rPr lang="pt-BR" dirty="0" smtClean="0">
+              <a:t>Guilherme José Castro Silva</a:t>
+            </a:r>
+          </a:p>
+          <a:p>
+            <a:r>
+              <a:rPr lang="pt-BR" dirty="0">
                 <a:latin typeface="Arial" panose="020B0604020202020204" pitchFamily="34" charset="0"/>
                 <a:cs typeface="Arial" panose="020B0604020202020204" pitchFamily="34" charset="0"/>
               </a:rPr>
               <a:t>Guilherme </a:t>
             </a:r>
             <a:r>
-              <a:rPr lang="pt-BR" dirty="0" err="1" smtClean="0">
+              <a:rPr lang="pt-BR" dirty="0" err="1">
                 <a:latin typeface="Arial" panose="020B0604020202020204" pitchFamily="34" charset="0"/>
                 <a:cs typeface="Arial" panose="020B0604020202020204" pitchFamily="34" charset="0"/>
               </a:rPr>
               <a:t>Sperandini</a:t>
             </a:r>
             <a:r>
-              <a:rPr lang="pt-BR" dirty="0" smtClean="0">
+              <a:rPr lang="pt-BR" dirty="0">
                 <a:latin typeface="Arial" panose="020B0604020202020204" pitchFamily="34" charset="0"/>
                 <a:cs typeface="Arial" panose="020B0604020202020204" pitchFamily="34" charset="0"/>
               </a:rPr>
@@ -3378,7 +3355,7 @@
           </a:p>
           <a:p>
             <a:r>
-              <a:rPr lang="pt-BR" dirty="0" smtClean="0">
+              <a:rPr lang="pt-BR" dirty="0">
                 <a:latin typeface="Arial" panose="020B0604020202020204" pitchFamily="34" charset="0"/>
                 <a:cs typeface="Arial" panose="020B0604020202020204" pitchFamily="34" charset="0"/>
               </a:rPr>
@@ -3387,27 +3364,27 @@
           </a:p>
           <a:p>
             <a:r>
-              <a:rPr lang="pt-BR" dirty="0" err="1" smtClean="0">
+              <a:rPr lang="pt-BR" dirty="0" err="1">
                 <a:latin typeface="Arial" panose="020B0604020202020204" pitchFamily="34" charset="0"/>
                 <a:cs typeface="Arial" panose="020B0604020202020204" pitchFamily="34" charset="0"/>
               </a:rPr>
               <a:t>Kayke</a:t>
             </a:r>
             <a:r>
-              <a:rPr lang="pt-BR" dirty="0" smtClean="0">
+              <a:rPr lang="pt-BR" dirty="0">
                 <a:latin typeface="Arial" panose="020B0604020202020204" pitchFamily="34" charset="0"/>
                 <a:cs typeface="Arial" panose="020B0604020202020204" pitchFamily="34" charset="0"/>
               </a:rPr>
               <a:t> Siqueira </a:t>
             </a:r>
             <a:r>
-              <a:rPr lang="pt-BR" dirty="0" err="1" smtClean="0">
+              <a:rPr lang="pt-BR" dirty="0" err="1">
                 <a:latin typeface="Arial" panose="020B0604020202020204" pitchFamily="34" charset="0"/>
                 <a:cs typeface="Arial" panose="020B0604020202020204" pitchFamily="34" charset="0"/>
               </a:rPr>
               <a:t>Galdiano</a:t>
             </a:r>
-            <a:endParaRPr lang="pt-BR" dirty="0" smtClean="0">
+            <a:endParaRPr lang="pt-BR" dirty="0">
               <a:latin typeface="Arial" panose="020B0604020202020204" pitchFamily="34" charset="0"/>
               <a:cs typeface="Arial" panose="020B0604020202020204" pitchFamily="34" charset="0"/>
             </a:endParaRPr>
@@ -3481,30 +3458,26 @@
           <a:lstStyle/>
           <a:p>
             <a:r>
-              <a:rPr lang="pt-BR" dirty="0" smtClean="0">
+              <a:rPr lang="pt-BR" dirty="0">
                 <a:latin typeface="Arial" panose="020B0604020202020204" pitchFamily="34" charset="0"/>
                 <a:cs typeface="Arial" panose="020B0604020202020204" pitchFamily="34" charset="0"/>
               </a:rPr>
               <a:t>Rogério </a:t>
             </a:r>
             <a:r>
-              <a:rPr lang="pt-BR" dirty="0" err="1" smtClean="0">
+              <a:rPr lang="pt-BR" dirty="0" err="1">
                 <a:latin typeface="Arial" panose="020B0604020202020204" pitchFamily="34" charset="0"/>
                 <a:cs typeface="Arial" panose="020B0604020202020204" pitchFamily="34" charset="0"/>
               </a:rPr>
               <a:t>Galdiano</a:t>
             </a:r>
             <a:r>
-              <a:rPr lang="pt-BR" dirty="0" smtClean="0">
+              <a:rPr lang="pt-BR" dirty="0">
                 <a:latin typeface="Arial" panose="020B0604020202020204" pitchFamily="34" charset="0"/>
                 <a:cs typeface="Arial" panose="020B0604020202020204" pitchFamily="34" charset="0"/>
               </a:rPr>
               <a:t> de Freitas</a:t>
             </a:r>
-            <a:endParaRPr lang="pt-BR" dirty="0">
-              <a:latin typeface="Arial" panose="020B0604020202020204" pitchFamily="34" charset="0"/>
-              <a:cs typeface="Arial" panose="020B0604020202020204" pitchFamily="34" charset="0"/>
-            </a:endParaRPr>
           </a:p>
           <a:p>
             <a:endParaRPr lang="pt-BR" dirty="0">
@@ -3581,36 +3554,35 @@
           <a:lstStyle/>
           <a:p>
             <a:r>
-              <a:rPr lang="pt-BR" dirty="0" smtClean="0">
-                <a:latin typeface="Arial" panose="020B0604020202020204" pitchFamily="34" charset="0"/>
-                <a:cs typeface="Arial" panose="020B0604020202020204" pitchFamily="34" charset="0"/>
-              </a:rPr>
-              <a:t>Em tempos de pandemia, o acesso a leitura ficou mais restrito, sendo assim, por meio do sistema é possível o empréstimo de livros </a:t>
-            </a:r>
-            <a:endParaRPr lang="pt-BR" dirty="0" smtClean="0">
-              <a:latin typeface="Arial" panose="020B0604020202020204" pitchFamily="34" charset="0"/>
-              <a:cs typeface="Arial" panose="020B0604020202020204" pitchFamily="34" charset="0"/>
-            </a:endParaRPr>
-          </a:p>
-          <a:p>
-            <a:r>
               <a:rPr lang="pt-BR" dirty="0">
                 <a:latin typeface="Arial" panose="020B0604020202020204" pitchFamily="34" charset="0"/>
                 <a:cs typeface="Arial" panose="020B0604020202020204" pitchFamily="34" charset="0"/>
               </a:rPr>
-              <a:t>d</a:t>
-            </a:r>
-            <a:r>
-              <a:rPr lang="pt-BR" dirty="0" smtClean="0">
+              <a:t>Em tempos de pandemia, o acesso a leitura ficou mais restrito, sendo assim, por meio </a:t>
+            </a:r>
+            <a:r>
+              <a:rPr lang="pt-BR">
                 <a:latin typeface="Arial" panose="020B0604020202020204" pitchFamily="34" charset="0"/>
                 <a:cs typeface="Arial" panose="020B0604020202020204" pitchFamily="34" charset="0"/>
               </a:rPr>
-              <a:t>e forma facilitada.   </a:t>
-            </a:r>
-            <a:endParaRPr lang="pt-BR" dirty="0">
-              <a:latin typeface="Arial" panose="020B0604020202020204" pitchFamily="34" charset="0"/>
-              <a:cs typeface="Arial" panose="020B0604020202020204" pitchFamily="34" charset="0"/>
-            </a:endParaRPr>
+              <a:t>do site </a:t>
+            </a:r>
+            <a:r>
+              <a:rPr lang="pt-BR" dirty="0">
+                <a:latin typeface="Arial" panose="020B0604020202020204" pitchFamily="34" charset="0"/>
+                <a:cs typeface="Arial" panose="020B0604020202020204" pitchFamily="34" charset="0"/>
+              </a:rPr>
+              <a:t>é possível o empréstimo de livros </a:t>
+            </a:r>
+          </a:p>
+          <a:p>
+            <a:r>
+              <a:rPr lang="pt-BR" dirty="0">
+                <a:latin typeface="Arial" panose="020B0604020202020204" pitchFamily="34" charset="0"/>
+                <a:cs typeface="Arial" panose="020B0604020202020204" pitchFamily="34" charset="0"/>
+              </a:rPr>
+              <a:t>de forma facilitada.   </a:t>
+            </a:r>
           </a:p>
           <a:p>
             <a:endParaRPr lang="pt-BR" dirty="0">
